--- a/presentation.pptx
+++ b/presentation.pptx
@@ -121,6 +121,11 @@
       </a:defRPr>
     </a:lvl9pPr>
   </p:defaultTextStyle>
+  <p:extLst>
+    <p:ext uri="{EFAFB233-063F-42B5-8137-9DF3F51BA10A}">
+      <p15:sldGuideLst xmlns:p15="http://schemas.microsoft.com/office/powerpoint/2012/main"/>
+    </p:ext>
+  </p:extLst>
 </p:presentation>
 </file>
 
@@ -206,7 +211,7 @@
           <a:p>
             <a:fld id="{E9837517-5960-B84E-AA98-1BD80E241158}" type="datetimeFigureOut">
               <a:rPr lang="en-PT" smtClean="0"/>
-              <a:t>01/07/2021</a:t>
+              <a:t>02/07/2021</a:t>
             </a:fld>
             <a:endParaRPr lang="en-PT"/>
           </a:p>
@@ -707,7 +712,7 @@
           <a:p>
             <a:fld id="{5C2C6D93-F2D4-BF48-8912-BE1CD464B587}" type="datetimeFigureOut">
               <a:rPr lang="en-PT" smtClean="0"/>
-              <a:t>01/07/2021</a:t>
+              <a:t>02/07/2021</a:t>
             </a:fld>
             <a:endParaRPr lang="en-PT"/>
           </a:p>
@@ -907,7 +912,7 @@
           <a:p>
             <a:fld id="{5C2C6D93-F2D4-BF48-8912-BE1CD464B587}" type="datetimeFigureOut">
               <a:rPr lang="en-PT" smtClean="0"/>
-              <a:t>01/07/2021</a:t>
+              <a:t>02/07/2021</a:t>
             </a:fld>
             <a:endParaRPr lang="en-PT"/>
           </a:p>
@@ -1117,7 +1122,7 @@
           <a:p>
             <a:fld id="{5C2C6D93-F2D4-BF48-8912-BE1CD464B587}" type="datetimeFigureOut">
               <a:rPr lang="en-PT" smtClean="0"/>
-              <a:t>01/07/2021</a:t>
+              <a:t>02/07/2021</a:t>
             </a:fld>
             <a:endParaRPr lang="en-PT"/>
           </a:p>
@@ -1317,7 +1322,7 @@
           <a:p>
             <a:fld id="{5C2C6D93-F2D4-BF48-8912-BE1CD464B587}" type="datetimeFigureOut">
               <a:rPr lang="en-PT" smtClean="0"/>
-              <a:t>01/07/2021</a:t>
+              <a:t>02/07/2021</a:t>
             </a:fld>
             <a:endParaRPr lang="en-PT"/>
           </a:p>
@@ -1593,7 +1598,7 @@
           <a:p>
             <a:fld id="{5C2C6D93-F2D4-BF48-8912-BE1CD464B587}" type="datetimeFigureOut">
               <a:rPr lang="en-PT" smtClean="0"/>
-              <a:t>01/07/2021</a:t>
+              <a:t>02/07/2021</a:t>
             </a:fld>
             <a:endParaRPr lang="en-PT"/>
           </a:p>
@@ -1861,7 +1866,7 @@
           <a:p>
             <a:fld id="{5C2C6D93-F2D4-BF48-8912-BE1CD464B587}" type="datetimeFigureOut">
               <a:rPr lang="en-PT" smtClean="0"/>
-              <a:t>01/07/2021</a:t>
+              <a:t>02/07/2021</a:t>
             </a:fld>
             <a:endParaRPr lang="en-PT"/>
           </a:p>
@@ -2276,7 +2281,7 @@
           <a:p>
             <a:fld id="{5C2C6D93-F2D4-BF48-8912-BE1CD464B587}" type="datetimeFigureOut">
               <a:rPr lang="en-PT" smtClean="0"/>
-              <a:t>01/07/2021</a:t>
+              <a:t>02/07/2021</a:t>
             </a:fld>
             <a:endParaRPr lang="en-PT"/>
           </a:p>
@@ -2418,7 +2423,7 @@
           <a:p>
             <a:fld id="{5C2C6D93-F2D4-BF48-8912-BE1CD464B587}" type="datetimeFigureOut">
               <a:rPr lang="en-PT" smtClean="0"/>
-              <a:t>01/07/2021</a:t>
+              <a:t>02/07/2021</a:t>
             </a:fld>
             <a:endParaRPr lang="en-PT"/>
           </a:p>
@@ -2531,7 +2536,7 @@
           <a:p>
             <a:fld id="{5C2C6D93-F2D4-BF48-8912-BE1CD464B587}" type="datetimeFigureOut">
               <a:rPr lang="en-PT" smtClean="0"/>
-              <a:t>01/07/2021</a:t>
+              <a:t>02/07/2021</a:t>
             </a:fld>
             <a:endParaRPr lang="en-PT"/>
           </a:p>
@@ -2844,7 +2849,7 @@
           <a:p>
             <a:fld id="{5C2C6D93-F2D4-BF48-8912-BE1CD464B587}" type="datetimeFigureOut">
               <a:rPr lang="en-PT" smtClean="0"/>
-              <a:t>01/07/2021</a:t>
+              <a:t>02/07/2021</a:t>
             </a:fld>
             <a:endParaRPr lang="en-PT"/>
           </a:p>
@@ -3133,7 +3138,7 @@
           <a:p>
             <a:fld id="{5C2C6D93-F2D4-BF48-8912-BE1CD464B587}" type="datetimeFigureOut">
               <a:rPr lang="en-PT" smtClean="0"/>
-              <a:t>01/07/2021</a:t>
+              <a:t>02/07/2021</a:t>
             </a:fld>
             <a:endParaRPr lang="en-PT"/>
           </a:p>
@@ -3376,7 +3381,7 @@
           <a:p>
             <a:fld id="{5C2C6D93-F2D4-BF48-8912-BE1CD464B587}" type="datetimeFigureOut">
               <a:rPr lang="en-PT" smtClean="0"/>
-              <a:t>01/07/2021</a:t>
+              <a:t>02/07/2021</a:t>
             </a:fld>
             <a:endParaRPr lang="en-PT"/>
           </a:p>
@@ -4029,8 +4034,8 @@
           </a:p>
         </p:txBody>
       </p:sp>
-      <mc:AlternateContent xmlns:mc="http://schemas.openxmlformats.org/markup-compatibility/2006">
-        <mc:Choice xmlns:a14="http://schemas.microsoft.com/office/drawing/2010/main" Requires="a14">
+      <mc:AlternateContent xmlns:mc="http://schemas.openxmlformats.org/markup-compatibility/2006" xmlns:a14="http://schemas.microsoft.com/office/drawing/2010/main">
+        <mc:Choice Requires="a14">
           <p:sp>
             <p:nvSpPr>
               <p:cNvPr id="3" name="Content Placeholder 2">
@@ -4062,71 +4067,97 @@
                     </m:oMathParaPr>
                     <m:oMath xmlns:m="http://schemas.openxmlformats.org/officeDocument/2006/math">
                       <m:r>
-                        <a:rPr lang="en-PT" i="1" smtClean="0"/>
+                        <a:rPr lang="en-PT" i="1" smtClean="0">
+                          <a:latin typeface="Cambria Math" panose="02040503050406030204" pitchFamily="18" charset="0"/>
+                        </a:rPr>
                         <m:t>﻿</m:t>
                       </m:r>
                       <m:r>
-                        <a:rPr lang="en-PT" i="1" smtClean="0"/>
+                        <a:rPr lang="en-PT" i="1" smtClean="0">
+                          <a:latin typeface="Cambria Math" panose="02040503050406030204" pitchFamily="18" charset="0"/>
+                        </a:rPr>
                         <m:t>𝐹</m:t>
                       </m:r>
                       <m:d>
                         <m:dPr>
                           <m:ctrlPr>
-                            <a:rPr lang="en-PT" i="1"/>
+                            <a:rPr lang="en-PT" i="1">
+                              <a:latin typeface="Cambria Math" panose="02040503050406030204" pitchFamily="18" charset="0"/>
+                            </a:rPr>
                           </m:ctrlPr>
                         </m:dPr>
                         <m:e>
                           <m:r>
-                            <a:rPr lang="en-PT" i="1"/>
+                            <a:rPr lang="en-PT" i="1">
+                              <a:latin typeface="Cambria Math" panose="02040503050406030204" pitchFamily="18" charset="0"/>
+                            </a:rPr>
                             <m:t>𝐿</m:t>
                           </m:r>
                           <m:r>
-                            <a:rPr lang="en-PT" i="1"/>
+                            <a:rPr lang="en-PT" i="1">
+                              <a:latin typeface="Cambria Math" panose="02040503050406030204" pitchFamily="18" charset="0"/>
+                            </a:rPr>
                             <m:t>,</m:t>
                           </m:r>
                           <m:r>
-                            <a:rPr lang="en-PT" i="1"/>
+                            <a:rPr lang="en-PT" i="1">
+                              <a:latin typeface="Cambria Math" panose="02040503050406030204" pitchFamily="18" charset="0"/>
+                            </a:rPr>
                             <m:t>𝑇</m:t>
                           </m:r>
                         </m:e>
                       </m:d>
                       <m:r>
-                        <a:rPr lang="en-PT" i="1"/>
+                        <a:rPr lang="en-PT" i="1">
+                          <a:latin typeface="Cambria Math" panose="02040503050406030204" pitchFamily="18" charset="0"/>
+                        </a:rPr>
                         <m:t>=</m:t>
                       </m:r>
                       <m:sSup>
                         <m:sSupPr>
                           <m:ctrlPr>
-                            <a:rPr lang="en-PT" i="1"/>
+                            <a:rPr lang="en-PT" i="1">
+                              <a:latin typeface="Cambria Math" panose="02040503050406030204" pitchFamily="18" charset="0"/>
+                            </a:rPr>
                           </m:ctrlPr>
                         </m:sSupPr>
                         <m:e>
                           <m:r>
-                            <a:rPr lang="en-PT" i="1"/>
+                            <a:rPr lang="en-PT" i="1">
+                              <a:latin typeface="Cambria Math" panose="02040503050406030204" pitchFamily="18" charset="0"/>
+                            </a:rPr>
                             <m:t>𝐿</m:t>
                           </m:r>
                         </m:e>
                         <m:sup>
                           <m:r>
-                            <a:rPr lang="en-PT" i="1"/>
+                            <a:rPr lang="en-PT" i="1">
+                              <a:latin typeface="Cambria Math" panose="02040503050406030204" pitchFamily="18" charset="0"/>
+                            </a:rPr>
                             <m:t>−</m:t>
                           </m:r>
                           <m:d>
                             <m:dPr>
                               <m:ctrlPr>
-                                <a:rPr lang="en-PT" i="1"/>
+                                <a:rPr lang="en-PT" i="1">
+                                  <a:latin typeface="Cambria Math" panose="02040503050406030204" pitchFamily="18" charset="0"/>
+                                </a:rPr>
                               </m:ctrlPr>
                             </m:dPr>
                             <m:e>
                               <m:r>
-                                <a:rPr lang="en-PT" i="1"/>
+                                <a:rPr lang="en-PT" i="1">
+                                  <a:latin typeface="Cambria Math" panose="02040503050406030204" pitchFamily="18" charset="0"/>
+                                </a:rPr>
                                 <m:t>2−</m:t>
                               </m:r>
                               <m:r>
                                 <m:rPr>
                                   <m:sty m:val="p"/>
                                 </m:rPr>
-                                <a:rPr lang="en-PT"/>
+                                <a:rPr lang="en-PT">
+                                  <a:latin typeface="Cambria Math" panose="02040503050406030204" pitchFamily="18" charset="0"/>
+                                </a:rPr>
                                 <m:t>α</m:t>
                               </m:r>
                             </m:e>
@@ -4135,18 +4166,24 @@
                             <m:rPr>
                               <m:lit/>
                             </m:rPr>
-                            <a:rPr lang="en-PT" i="1"/>
+                            <a:rPr lang="en-PT" i="1">
+                              <a:latin typeface="Cambria Math" panose="02040503050406030204" pitchFamily="18" charset="0"/>
+                            </a:rPr>
                             <m:t>/</m:t>
                           </m:r>
                           <m:r>
                             <m:rPr>
                               <m:sty m:val="p"/>
                             </m:rPr>
-                            <a:rPr lang="en-PT"/>
+                            <a:rPr lang="en-PT">
+                              <a:latin typeface="Cambria Math" panose="02040503050406030204" pitchFamily="18" charset="0"/>
+                            </a:rPr>
                             <m:t>ν</m:t>
                           </m:r>
                           <m:r>
-                            <a:rPr lang="en-PT" i="1"/>
+                            <a:rPr lang="en-PT" i="1">
+                              <a:latin typeface="Cambria Math" panose="02040503050406030204" pitchFamily="18" charset="0"/>
+                            </a:rPr>
                             <m:t>ℱ</m:t>
                           </m:r>
                         </m:sup>
@@ -4154,43 +4191,57 @@
                       <m:d>
                         <m:dPr>
                           <m:ctrlPr>
-                            <a:rPr lang="en-PT" i="1"/>
+                            <a:rPr lang="en-PT" i="1">
+                              <a:latin typeface="Cambria Math" panose="02040503050406030204" pitchFamily="18" charset="0"/>
+                            </a:rPr>
                           </m:ctrlPr>
                         </m:dPr>
                         <m:e>
                           <m:r>
-                            <a:rPr lang="en-PT" i="1"/>
+                            <a:rPr lang="en-PT" i="1">
+                              <a:latin typeface="Cambria Math" panose="02040503050406030204" pitchFamily="18" charset="0"/>
+                            </a:rPr>
                             <m:t>𝑡</m:t>
                           </m:r>
                           <m:sSup>
                             <m:sSupPr>
                               <m:ctrlPr>
-                                <a:rPr lang="en-PT" i="1"/>
+                                <a:rPr lang="en-PT" i="1">
+                                  <a:latin typeface="Cambria Math" panose="02040503050406030204" pitchFamily="18" charset="0"/>
+                                </a:rPr>
                               </m:ctrlPr>
                             </m:sSupPr>
                             <m:e>
                               <m:r>
-                                <a:rPr lang="en-PT" i="1"/>
+                                <a:rPr lang="en-PT" i="1">
+                                  <a:latin typeface="Cambria Math" panose="02040503050406030204" pitchFamily="18" charset="0"/>
+                                </a:rPr>
                                 <m:t>𝐿</m:t>
                               </m:r>
                             </m:e>
                             <m:sup>
                               <m:r>
-                                <a:rPr lang="en-PT" i="1"/>
+                                <a:rPr lang="en-PT" i="1">
+                                  <a:latin typeface="Cambria Math" panose="02040503050406030204" pitchFamily="18" charset="0"/>
+                                </a:rPr>
                                 <m:t>1</m:t>
                               </m:r>
                               <m:r>
                                 <m:rPr>
                                   <m:lit/>
                                 </m:rPr>
-                                <a:rPr lang="en-PT" i="1"/>
+                                <a:rPr lang="en-PT" i="1">
+                                  <a:latin typeface="Cambria Math" panose="02040503050406030204" pitchFamily="18" charset="0"/>
+                                </a:rPr>
                                 <m:t>/</m:t>
                               </m:r>
                               <m:r>
                                 <m:rPr>
                                   <m:sty m:val="p"/>
                                 </m:rPr>
-                                <a:rPr lang="en-PT"/>
+                                <a:rPr lang="en-PT">
+                                  <a:latin typeface="Cambria Math" panose="02040503050406030204" pitchFamily="18" charset="0"/>
+                                </a:rPr>
                                 <m:t>ν</m:t>
                               </m:r>
                             </m:sup>
@@ -4287,49 +4338,65 @@
                     </m:oMathParaPr>
                     <m:oMath xmlns:m="http://schemas.openxmlformats.org/officeDocument/2006/math">
                       <m:r>
-                        <a:rPr lang="en-PT" i="1"/>
+                        <a:rPr lang="en-PT" i="1">
+                          <a:latin typeface="Cambria Math" panose="02040503050406030204" pitchFamily="18" charset="0"/>
+                        </a:rPr>
                         <m:t>𝑀</m:t>
                       </m:r>
                       <m:r>
-                        <a:rPr lang="en-PT" i="1"/>
+                        <a:rPr lang="en-PT" i="1">
+                          <a:latin typeface="Cambria Math" panose="02040503050406030204" pitchFamily="18" charset="0"/>
+                        </a:rPr>
                         <m:t>=</m:t>
                       </m:r>
                       <m:sSup>
                         <m:sSupPr>
                           <m:ctrlPr>
-                            <a:rPr lang="en-PT" i="1"/>
+                            <a:rPr lang="en-PT" i="1">
+                              <a:latin typeface="Cambria Math" panose="02040503050406030204" pitchFamily="18" charset="0"/>
+                            </a:rPr>
                           </m:ctrlPr>
                         </m:sSupPr>
                         <m:e>
                           <m:r>
-                            <a:rPr lang="en-PT" i="1"/>
+                            <a:rPr lang="en-PT" i="1">
+                              <a:latin typeface="Cambria Math" panose="02040503050406030204" pitchFamily="18" charset="0"/>
+                            </a:rPr>
                             <m:t>𝐿</m:t>
                           </m:r>
                         </m:e>
                         <m:sup>
                           <m:r>
-                            <a:rPr lang="en-PT" i="1"/>
+                            <a:rPr lang="en-PT" i="1">
+                              <a:latin typeface="Cambria Math" panose="02040503050406030204" pitchFamily="18" charset="0"/>
+                            </a:rPr>
                             <m:t>−</m:t>
                           </m:r>
                           <m:r>
                             <m:rPr>
                               <m:sty m:val="p"/>
                             </m:rPr>
-                            <a:rPr lang="en-PT"/>
+                            <a:rPr lang="en-PT">
+                              <a:latin typeface="Cambria Math" panose="02040503050406030204" pitchFamily="18" charset="0"/>
+                            </a:rPr>
                             <m:t>β</m:t>
                           </m:r>
                           <m:r>
                             <m:rPr>
                               <m:lit/>
                             </m:rPr>
-                            <a:rPr lang="en-PT" i="1"/>
+                            <a:rPr lang="en-PT" i="1">
+                              <a:latin typeface="Cambria Math" panose="02040503050406030204" pitchFamily="18" charset="0"/>
+                            </a:rPr>
                             <m:t>/</m:t>
                           </m:r>
                           <m:r>
                             <m:rPr>
                               <m:sty m:val="p"/>
                             </m:rPr>
-                            <a:rPr lang="en-PT"/>
+                            <a:rPr lang="en-PT">
+                              <a:latin typeface="Cambria Math" panose="02040503050406030204" pitchFamily="18" charset="0"/>
+                            </a:rPr>
                             <m:t>ν</m:t>
                           </m:r>
                         </m:sup>
@@ -4337,18 +4404,24 @@
                       <m:sSup>
                         <m:sSupPr>
                           <m:ctrlPr>
-                            <a:rPr lang="en-PT" i="1"/>
+                            <a:rPr lang="en-PT" i="1">
+                              <a:latin typeface="Cambria Math" panose="02040503050406030204" pitchFamily="18" charset="0"/>
+                            </a:rPr>
                           </m:ctrlPr>
                         </m:sSupPr>
                         <m:e>
                           <m:r>
-                            <a:rPr lang="en-PT" i="1"/>
+                            <a:rPr lang="en-PT" i="1">
+                              <a:latin typeface="Cambria Math" panose="02040503050406030204" pitchFamily="18" charset="0"/>
+                            </a:rPr>
                             <m:t>ℳ</m:t>
                           </m:r>
                         </m:e>
                         <m:sup>
                           <m:r>
-                            <a:rPr lang="en-PT" i="1"/>
+                            <a:rPr lang="en-PT" i="1">
+                              <a:latin typeface="Cambria Math" panose="02040503050406030204" pitchFamily="18" charset="0"/>
+                            </a:rPr>
                             <m:t>ℴ</m:t>
                           </m:r>
                         </m:sup>
@@ -4356,43 +4429,57 @@
                       <m:d>
                         <m:dPr>
                           <m:ctrlPr>
-                            <a:rPr lang="en-PT" i="1"/>
+                            <a:rPr lang="en-PT" i="1">
+                              <a:latin typeface="Cambria Math" panose="02040503050406030204" pitchFamily="18" charset="0"/>
+                            </a:rPr>
                           </m:ctrlPr>
                         </m:dPr>
                         <m:e>
                           <m:r>
-                            <a:rPr lang="en-PT" i="1"/>
+                            <a:rPr lang="en-PT" i="1">
+                              <a:latin typeface="Cambria Math" panose="02040503050406030204" pitchFamily="18" charset="0"/>
+                            </a:rPr>
                             <m:t>𝑡</m:t>
                           </m:r>
                           <m:sSup>
                             <m:sSupPr>
                               <m:ctrlPr>
-                                <a:rPr lang="en-PT" i="1"/>
+                                <a:rPr lang="en-PT" i="1">
+                                  <a:latin typeface="Cambria Math" panose="02040503050406030204" pitchFamily="18" charset="0"/>
+                                </a:rPr>
                               </m:ctrlPr>
                             </m:sSupPr>
                             <m:e>
                               <m:r>
-                                <a:rPr lang="en-PT" i="1"/>
+                                <a:rPr lang="en-PT" i="1">
+                                  <a:latin typeface="Cambria Math" panose="02040503050406030204" pitchFamily="18" charset="0"/>
+                                </a:rPr>
                                 <m:t>𝐿</m:t>
                               </m:r>
                             </m:e>
                             <m:sup>
                               <m:r>
-                                <a:rPr lang="en-PT" i="1"/>
+                                <a:rPr lang="en-PT" i="1">
+                                  <a:latin typeface="Cambria Math" panose="02040503050406030204" pitchFamily="18" charset="0"/>
+                                </a:rPr>
                                 <m:t>1</m:t>
                               </m:r>
                               <m:r>
                                 <m:rPr>
                                   <m:lit/>
                                 </m:rPr>
-                                <a:rPr lang="en-PT" i="1"/>
+                                <a:rPr lang="en-PT" i="1">
+                                  <a:latin typeface="Cambria Math" panose="02040503050406030204" pitchFamily="18" charset="0"/>
+                                </a:rPr>
                                 <m:t>/</m:t>
                               </m:r>
                               <m:r>
                                 <m:rPr>
                                   <m:sty m:val="p"/>
                                 </m:rPr>
-                                <a:rPr lang="en-PT"/>
+                                <a:rPr lang="en-PT">
+                                  <a:latin typeface="Cambria Math" panose="02040503050406030204" pitchFamily="18" charset="0"/>
+                                </a:rPr>
                                 <m:t>ν</m:t>
                               </m:r>
                             </m:sup>
@@ -4418,22 +4505,30 @@
                         <m:rPr>
                           <m:sty m:val="p"/>
                         </m:rPr>
-                        <a:rPr lang="en-PT"/>
+                        <a:rPr lang="en-PT">
+                          <a:latin typeface="Cambria Math" panose="02040503050406030204" pitchFamily="18" charset="0"/>
+                        </a:rPr>
                         <m:t>χ</m:t>
                       </m:r>
                       <m:r>
-                        <a:rPr lang="en-PT" i="1"/>
+                        <a:rPr lang="en-PT" i="1">
+                          <a:latin typeface="Cambria Math" panose="02040503050406030204" pitchFamily="18" charset="0"/>
+                        </a:rPr>
                         <m:t>=</m:t>
                       </m:r>
                       <m:sSup>
                         <m:sSupPr>
                           <m:ctrlPr>
-                            <a:rPr lang="en-PT" i="1"/>
+                            <a:rPr lang="en-PT" i="1">
+                              <a:latin typeface="Cambria Math" panose="02040503050406030204" pitchFamily="18" charset="0"/>
+                            </a:rPr>
                           </m:ctrlPr>
                         </m:sSupPr>
                         <m:e>
                           <m:r>
-                            <a:rPr lang="en-PT" i="1"/>
+                            <a:rPr lang="en-PT" i="1">
+                              <a:latin typeface="Cambria Math" panose="02040503050406030204" pitchFamily="18" charset="0"/>
+                            </a:rPr>
                             <m:t>𝐿</m:t>
                           </m:r>
                         </m:e>
@@ -4442,21 +4537,27 @@
                             <m:rPr>
                               <m:sty m:val="p"/>
                             </m:rPr>
-                            <a:rPr lang="en-PT"/>
+                            <a:rPr lang="en-PT">
+                              <a:latin typeface="Cambria Math" panose="02040503050406030204" pitchFamily="18" charset="0"/>
+                            </a:rPr>
                             <m:t>γ</m:t>
                           </m:r>
                           <m:r>
                             <m:rPr>
                               <m:lit/>
                             </m:rPr>
-                            <a:rPr lang="en-PT" i="1"/>
+                            <a:rPr lang="en-PT" i="1">
+                              <a:latin typeface="Cambria Math" panose="02040503050406030204" pitchFamily="18" charset="0"/>
+                            </a:rPr>
                             <m:t>/</m:t>
                           </m:r>
                           <m:r>
                             <m:rPr>
                               <m:sty m:val="p"/>
                             </m:rPr>
-                            <a:rPr lang="en-PT"/>
+                            <a:rPr lang="en-PT">
+                              <a:latin typeface="Cambria Math" panose="02040503050406030204" pitchFamily="18" charset="0"/>
+                            </a:rPr>
                             <m:t>ν</m:t>
                           </m:r>
                         </m:sup>
@@ -4464,7 +4565,9 @@
                       <m:sSup>
                         <m:sSupPr>
                           <m:ctrlPr>
-                            <a:rPr lang="en-PT" i="1"/>
+                            <a:rPr lang="en-PT" i="1">
+                              <a:latin typeface="Cambria Math" panose="02040503050406030204" pitchFamily="18" charset="0"/>
+                            </a:rPr>
                           </m:ctrlPr>
                         </m:sSupPr>
                         <m:e>
@@ -4472,13 +4575,17 @@
                             <m:rPr>
                               <m:sty m:val="p"/>
                             </m:rPr>
-                            <a:rPr lang="en-PT"/>
+                            <a:rPr lang="en-PT">
+                              <a:latin typeface="Cambria Math" panose="02040503050406030204" pitchFamily="18" charset="0"/>
+                            </a:rPr>
                             <m:t>χ</m:t>
                           </m:r>
                         </m:e>
                         <m:sup>
                           <m:r>
-                            <a:rPr lang="en-PT" i="1"/>
+                            <a:rPr lang="en-PT" i="1">
+                              <a:latin typeface="Cambria Math" panose="02040503050406030204" pitchFamily="18" charset="0"/>
+                            </a:rPr>
                             <m:t>ℴ</m:t>
                           </m:r>
                         </m:sup>
@@ -4486,43 +4593,57 @@
                       <m:d>
                         <m:dPr>
                           <m:ctrlPr>
-                            <a:rPr lang="en-PT" i="1"/>
+                            <a:rPr lang="en-PT" i="1">
+                              <a:latin typeface="Cambria Math" panose="02040503050406030204" pitchFamily="18" charset="0"/>
+                            </a:rPr>
                           </m:ctrlPr>
                         </m:dPr>
                         <m:e>
                           <m:r>
-                            <a:rPr lang="en-PT" i="1"/>
+                            <a:rPr lang="en-PT" i="1">
+                              <a:latin typeface="Cambria Math" panose="02040503050406030204" pitchFamily="18" charset="0"/>
+                            </a:rPr>
                             <m:t>𝑡</m:t>
                           </m:r>
                           <m:sSup>
                             <m:sSupPr>
                               <m:ctrlPr>
-                                <a:rPr lang="en-PT" i="1"/>
+                                <a:rPr lang="en-PT" i="1">
+                                  <a:latin typeface="Cambria Math" panose="02040503050406030204" pitchFamily="18" charset="0"/>
+                                </a:rPr>
                               </m:ctrlPr>
                             </m:sSupPr>
                             <m:e>
                               <m:r>
-                                <a:rPr lang="en-PT" i="1"/>
+                                <a:rPr lang="en-PT" i="1">
+                                  <a:latin typeface="Cambria Math" panose="02040503050406030204" pitchFamily="18" charset="0"/>
+                                </a:rPr>
                                 <m:t>𝐿</m:t>
                               </m:r>
                             </m:e>
                             <m:sup>
                               <m:r>
-                                <a:rPr lang="en-PT" i="1"/>
+                                <a:rPr lang="en-PT" i="1">
+                                  <a:latin typeface="Cambria Math" panose="02040503050406030204" pitchFamily="18" charset="0"/>
+                                </a:rPr>
                                 <m:t>1</m:t>
                               </m:r>
                               <m:r>
                                 <m:rPr>
                                   <m:lit/>
                                 </m:rPr>
-                                <a:rPr lang="en-PT" i="1"/>
+                                <a:rPr lang="en-PT" i="1">
+                                  <a:latin typeface="Cambria Math" panose="02040503050406030204" pitchFamily="18" charset="0"/>
+                                </a:rPr>
                                 <m:t>/</m:t>
                               </m:r>
                               <m:r>
                                 <m:rPr>
                                   <m:sty m:val="p"/>
                                 </m:rPr>
-                                <a:rPr lang="en-PT"/>
+                                <a:rPr lang="en-PT">
+                                  <a:latin typeface="Cambria Math" panose="02040503050406030204" pitchFamily="18" charset="0"/>
+                                </a:rPr>
                                 <m:t>ν</m:t>
                               </m:r>
                             </m:sup>
@@ -4545,22 +4666,30 @@
                     </m:oMathParaPr>
                     <m:oMath xmlns:m="http://schemas.openxmlformats.org/officeDocument/2006/math">
                       <m:r>
-                        <a:rPr lang="en-PT" i="1"/>
+                        <a:rPr lang="en-PT" i="1">
+                          <a:latin typeface="Cambria Math" panose="02040503050406030204" pitchFamily="18" charset="0"/>
+                        </a:rPr>
                         <m:t>𝐶</m:t>
                       </m:r>
                       <m:r>
-                        <a:rPr lang="en-PT" i="1"/>
+                        <a:rPr lang="en-PT" i="1">
+                          <a:latin typeface="Cambria Math" panose="02040503050406030204" pitchFamily="18" charset="0"/>
+                        </a:rPr>
                         <m:t>=</m:t>
                       </m:r>
                       <m:sSup>
                         <m:sSupPr>
                           <m:ctrlPr>
-                            <a:rPr lang="en-PT" i="1"/>
+                            <a:rPr lang="en-PT" i="1">
+                              <a:latin typeface="Cambria Math" panose="02040503050406030204" pitchFamily="18" charset="0"/>
+                            </a:rPr>
                           </m:ctrlPr>
                         </m:sSupPr>
                         <m:e>
                           <m:r>
-                            <a:rPr lang="en-PT" i="1"/>
+                            <a:rPr lang="en-PT" i="1">
+                              <a:latin typeface="Cambria Math" panose="02040503050406030204" pitchFamily="18" charset="0"/>
+                            </a:rPr>
                             <m:t>𝐿</m:t>
                           </m:r>
                         </m:e>
@@ -4569,21 +4698,27 @@
                             <m:rPr>
                               <m:sty m:val="p"/>
                             </m:rPr>
-                            <a:rPr lang="en-PT"/>
+                            <a:rPr lang="en-PT">
+                              <a:latin typeface="Cambria Math" panose="02040503050406030204" pitchFamily="18" charset="0"/>
+                            </a:rPr>
                             <m:t>α</m:t>
                           </m:r>
                           <m:r>
                             <m:rPr>
                               <m:lit/>
                             </m:rPr>
-                            <a:rPr lang="en-PT" i="1"/>
+                            <a:rPr lang="en-PT" i="1">
+                              <a:latin typeface="Cambria Math" panose="02040503050406030204" pitchFamily="18" charset="0"/>
+                            </a:rPr>
                             <m:t>/</m:t>
                           </m:r>
                           <m:r>
                             <m:rPr>
                               <m:sty m:val="p"/>
                             </m:rPr>
-                            <a:rPr lang="en-PT"/>
+                            <a:rPr lang="en-PT">
+                              <a:latin typeface="Cambria Math" panose="02040503050406030204" pitchFamily="18" charset="0"/>
+                            </a:rPr>
                             <m:t>ν</m:t>
                           </m:r>
                         </m:sup>
@@ -4591,18 +4726,24 @@
                       <m:sSup>
                         <m:sSupPr>
                           <m:ctrlPr>
-                            <a:rPr lang="en-PT" i="1"/>
+                            <a:rPr lang="en-PT" i="1">
+                              <a:latin typeface="Cambria Math" panose="02040503050406030204" pitchFamily="18" charset="0"/>
+                            </a:rPr>
                           </m:ctrlPr>
                         </m:sSupPr>
                         <m:e>
                           <m:r>
-                            <a:rPr lang="en-PT" i="1"/>
+                            <a:rPr lang="en-PT" i="1">
+                              <a:latin typeface="Cambria Math" panose="02040503050406030204" pitchFamily="18" charset="0"/>
+                            </a:rPr>
                             <m:t>𝒞</m:t>
                           </m:r>
                         </m:e>
                         <m:sup>
                           <m:r>
-                            <a:rPr lang="en-PT" i="1"/>
+                            <a:rPr lang="en-PT" i="1">
+                              <a:latin typeface="Cambria Math" panose="02040503050406030204" pitchFamily="18" charset="0"/>
+                            </a:rPr>
                             <m:t>ℴ</m:t>
                           </m:r>
                         </m:sup>
@@ -4610,43 +4751,57 @@
                       <m:d>
                         <m:dPr>
                           <m:ctrlPr>
-                            <a:rPr lang="en-PT" i="1"/>
+                            <a:rPr lang="en-PT" i="1">
+                              <a:latin typeface="Cambria Math" panose="02040503050406030204" pitchFamily="18" charset="0"/>
+                            </a:rPr>
                           </m:ctrlPr>
                         </m:dPr>
                         <m:e>
                           <m:r>
-                            <a:rPr lang="en-PT" i="1"/>
+                            <a:rPr lang="en-PT" i="1">
+                              <a:latin typeface="Cambria Math" panose="02040503050406030204" pitchFamily="18" charset="0"/>
+                            </a:rPr>
                             <m:t>𝑡</m:t>
                           </m:r>
                           <m:sSup>
                             <m:sSupPr>
                               <m:ctrlPr>
-                                <a:rPr lang="en-PT" i="1"/>
+                                <a:rPr lang="en-PT" i="1">
+                                  <a:latin typeface="Cambria Math" panose="02040503050406030204" pitchFamily="18" charset="0"/>
+                                </a:rPr>
                               </m:ctrlPr>
                             </m:sSupPr>
                             <m:e>
                               <m:r>
-                                <a:rPr lang="en-PT" i="1"/>
+                                <a:rPr lang="en-PT" i="1">
+                                  <a:latin typeface="Cambria Math" panose="02040503050406030204" pitchFamily="18" charset="0"/>
+                                </a:rPr>
                                 <m:t>𝐿</m:t>
                               </m:r>
                             </m:e>
                             <m:sup>
                               <m:r>
-                                <a:rPr lang="en-PT" i="1"/>
+                                <a:rPr lang="en-PT" i="1">
+                                  <a:latin typeface="Cambria Math" panose="02040503050406030204" pitchFamily="18" charset="0"/>
+                                </a:rPr>
                                 <m:t>1</m:t>
                               </m:r>
                               <m:r>
                                 <m:rPr>
                                   <m:lit/>
                                 </m:rPr>
-                                <a:rPr lang="en-PT" i="1"/>
+                                <a:rPr lang="en-PT" i="1">
+                                  <a:latin typeface="Cambria Math" panose="02040503050406030204" pitchFamily="18" charset="0"/>
+                                </a:rPr>
                                 <m:t>/</m:t>
                               </m:r>
                               <m:r>
                                 <m:rPr>
                                   <m:sty m:val="p"/>
                                 </m:rPr>
-                                <a:rPr lang="en-PT"/>
+                                <a:rPr lang="en-PT">
+                                  <a:latin typeface="Cambria Math" panose="02040503050406030204" pitchFamily="18" charset="0"/>
+                                </a:rPr>
                                 <m:t>ν</m:t>
                               </m:r>
                             </m:sup>
@@ -4678,53 +4833,71 @@
                     </m:oMathParaPr>
                     <m:oMath xmlns:m="http://schemas.openxmlformats.org/officeDocument/2006/math">
                       <m:r>
-                        <a:rPr lang="en-PT" i="1"/>
+                        <a:rPr lang="en-PT" i="1">
+                          <a:latin typeface="Cambria Math" panose="02040503050406030204" pitchFamily="18" charset="0"/>
+                        </a:rPr>
                         <m:t>﻿</m:t>
                       </m:r>
                       <m:r>
-                        <a:rPr lang="en-PT" i="1"/>
+                        <a:rPr lang="en-PT" i="1">
+                          <a:latin typeface="Cambria Math" panose="02040503050406030204" pitchFamily="18" charset="0"/>
+                        </a:rPr>
                         <m:t>𝑀</m:t>
                       </m:r>
                       <m:r>
-                        <a:rPr lang="en-PT"/>
+                        <a:rPr lang="en-PT">
+                          <a:latin typeface="Cambria Math" panose="02040503050406030204" pitchFamily="18" charset="0"/>
+                        </a:rPr>
                         <m:t>∝</m:t>
                       </m:r>
                       <m:sSup>
                         <m:sSupPr>
                           <m:ctrlPr>
-                            <a:rPr lang="en-PT" i="1"/>
+                            <a:rPr lang="en-PT" i="1">
+                              <a:latin typeface="Cambria Math" panose="02040503050406030204" pitchFamily="18" charset="0"/>
+                            </a:rPr>
                           </m:ctrlPr>
                         </m:sSupPr>
                         <m:e>
                           <m:r>
-                            <a:rPr lang="en-PT" i="1"/>
+                            <a:rPr lang="en-PT" i="1">
+                              <a:latin typeface="Cambria Math" panose="02040503050406030204" pitchFamily="18" charset="0"/>
+                            </a:rPr>
                             <m:t>𝐿</m:t>
                           </m:r>
                         </m:e>
                         <m:sup>
                           <m:r>
-                            <a:rPr lang="en-PT" i="1"/>
+                            <a:rPr lang="en-PT" i="1">
+                              <a:latin typeface="Cambria Math" panose="02040503050406030204" pitchFamily="18" charset="0"/>
+                            </a:rPr>
                             <m:t>−</m:t>
                           </m:r>
                           <m:r>
                             <m:rPr>
                               <m:sty m:val="p"/>
                             </m:rPr>
-                            <a:rPr lang="en-PT"/>
+                            <a:rPr lang="en-PT">
+                              <a:latin typeface="Cambria Math" panose="02040503050406030204" pitchFamily="18" charset="0"/>
+                            </a:rPr>
                             <m:t>β</m:t>
                           </m:r>
                           <m:r>
                             <m:rPr>
                               <m:lit/>
                             </m:rPr>
-                            <a:rPr lang="en-PT" i="1"/>
+                            <a:rPr lang="en-PT" i="1">
+                              <a:latin typeface="Cambria Math" panose="02040503050406030204" pitchFamily="18" charset="0"/>
+                            </a:rPr>
                             <m:t>/</m:t>
                           </m:r>
                           <m:r>
                             <m:rPr>
                               <m:sty m:val="p"/>
                             </m:rPr>
-                            <a:rPr lang="en-PT"/>
+                            <a:rPr lang="en-PT">
+                              <a:latin typeface="Cambria Math" panose="02040503050406030204" pitchFamily="18" charset="0"/>
+                            </a:rPr>
                             <m:t>ν</m:t>
                           </m:r>
                         </m:sup>
@@ -4745,29 +4918,39 @@
                     </m:oMathParaPr>
                     <m:oMath xmlns:m="http://schemas.openxmlformats.org/officeDocument/2006/math">
                       <m:r>
-                        <a:rPr lang="en-PT" i="1"/>
+                        <a:rPr lang="en-PT" i="1">
+                          <a:latin typeface="Cambria Math" panose="02040503050406030204" pitchFamily="18" charset="0"/>
+                        </a:rPr>
                         <m:t>		</m:t>
                       </m:r>
                       <m:r>
                         <m:rPr>
                           <m:sty m:val="p"/>
                         </m:rPr>
-                        <a:rPr lang="en-PT"/>
+                        <a:rPr lang="en-PT">
+                          <a:latin typeface="Cambria Math" panose="02040503050406030204" pitchFamily="18" charset="0"/>
+                        </a:rPr>
                         <m:t>χ</m:t>
                       </m:r>
                       <m:r>
-                        <a:rPr lang="en-PT"/>
+                        <a:rPr lang="en-PT">
+                          <a:latin typeface="Cambria Math" panose="02040503050406030204" pitchFamily="18" charset="0"/>
+                        </a:rPr>
                         <m:t>∝</m:t>
                       </m:r>
                       <m:sSup>
                         <m:sSupPr>
                           <m:ctrlPr>
-                            <a:rPr lang="en-PT" i="1"/>
+                            <a:rPr lang="en-PT" i="1">
+                              <a:latin typeface="Cambria Math" panose="02040503050406030204" pitchFamily="18" charset="0"/>
+                            </a:rPr>
                           </m:ctrlPr>
                         </m:sSupPr>
                         <m:e>
                           <m:r>
-                            <a:rPr lang="en-PT" i="1"/>
+                            <a:rPr lang="en-PT" i="1">
+                              <a:latin typeface="Cambria Math" panose="02040503050406030204" pitchFamily="18" charset="0"/>
+                            </a:rPr>
                             <m:t>𝐿</m:t>
                           </m:r>
                         </m:e>
@@ -4776,21 +4959,27 @@
                             <m:rPr>
                               <m:sty m:val="p"/>
                             </m:rPr>
-                            <a:rPr lang="en-PT"/>
+                            <a:rPr lang="en-PT">
+                              <a:latin typeface="Cambria Math" panose="02040503050406030204" pitchFamily="18" charset="0"/>
+                            </a:rPr>
                             <m:t>γ</m:t>
                           </m:r>
                           <m:r>
                             <m:rPr>
                               <m:lit/>
                             </m:rPr>
-                            <a:rPr lang="en-PT" i="1"/>
+                            <a:rPr lang="en-PT" i="1">
+                              <a:latin typeface="Cambria Math" panose="02040503050406030204" pitchFamily="18" charset="0"/>
+                            </a:rPr>
                             <m:t>/</m:t>
                           </m:r>
                           <m:r>
                             <m:rPr>
                               <m:sty m:val="p"/>
                             </m:rPr>
-                            <a:rPr lang="en-PT"/>
+                            <a:rPr lang="en-PT">
+                              <a:latin typeface="Cambria Math" panose="02040503050406030204" pitchFamily="18" charset="0"/>
+                            </a:rPr>
                             <m:t>ν</m:t>
                           </m:r>
                         </m:sup>
@@ -4811,26 +5000,36 @@
                     </m:oMathParaPr>
                     <m:oMath xmlns:m="http://schemas.openxmlformats.org/officeDocument/2006/math">
                       <m:r>
-                        <a:rPr lang="en-PT" i="1"/>
+                        <a:rPr lang="en-PT" i="1">
+                          <a:latin typeface="Cambria Math" panose="02040503050406030204" pitchFamily="18" charset="0"/>
+                        </a:rPr>
                         <m:t>		</m:t>
                       </m:r>
                       <m:r>
-                        <a:rPr lang="en-PT" i="1"/>
+                        <a:rPr lang="en-PT" i="1">
+                          <a:latin typeface="Cambria Math" panose="02040503050406030204" pitchFamily="18" charset="0"/>
+                        </a:rPr>
                         <m:t>𝐶</m:t>
                       </m:r>
                       <m:r>
-                        <a:rPr lang="en-PT"/>
+                        <a:rPr lang="en-PT">
+                          <a:latin typeface="Cambria Math" panose="02040503050406030204" pitchFamily="18" charset="0"/>
+                        </a:rPr>
                         <m:t>∝</m:t>
                       </m:r>
                       <m:sSup>
                         <m:sSupPr>
                           <m:ctrlPr>
-                            <a:rPr lang="en-PT" i="1"/>
+                            <a:rPr lang="en-PT" i="1">
+                              <a:latin typeface="Cambria Math" panose="02040503050406030204" pitchFamily="18" charset="0"/>
+                            </a:rPr>
                           </m:ctrlPr>
                         </m:sSupPr>
                         <m:e>
                           <m:r>
-                            <a:rPr lang="en-PT" i="1"/>
+                            <a:rPr lang="en-PT" i="1">
+                              <a:latin typeface="Cambria Math" panose="02040503050406030204" pitchFamily="18" charset="0"/>
+                            </a:rPr>
                             <m:t>𝐿</m:t>
                           </m:r>
                         </m:e>
@@ -4839,21 +5038,27 @@
                             <m:rPr>
                               <m:sty m:val="p"/>
                             </m:rPr>
-                            <a:rPr lang="en-PT"/>
+                            <a:rPr lang="en-PT">
+                              <a:latin typeface="Cambria Math" panose="02040503050406030204" pitchFamily="18" charset="0"/>
+                            </a:rPr>
                             <m:t>α</m:t>
                           </m:r>
                           <m:r>
                             <m:rPr>
                               <m:lit/>
                             </m:rPr>
-                            <a:rPr lang="en-PT" i="1"/>
+                            <a:rPr lang="en-PT" i="1">
+                              <a:latin typeface="Cambria Math" panose="02040503050406030204" pitchFamily="18" charset="0"/>
+                            </a:rPr>
                             <m:t>/</m:t>
                           </m:r>
                           <m:r>
                             <m:rPr>
                               <m:sty m:val="p"/>
                             </m:rPr>
-                            <a:rPr lang="en-PT"/>
+                            <a:rPr lang="en-PT">
+                              <a:latin typeface="Cambria Math" panose="02040503050406030204" pitchFamily="18" charset="0"/>
+                            </a:rPr>
                             <m:t>ν</m:t>
                           </m:r>
                         </m:sup>
@@ -4878,7 +5083,7 @@
             </p:txBody>
           </p:sp>
         </mc:Choice>
-        <mc:Fallback>
+        <mc:Fallback xmlns="">
           <p:sp>
             <p:nvSpPr>
               <p:cNvPr id="3" name="Content Placeholder 2">
@@ -4976,8 +5181,8 @@
           </a:p>
         </p:txBody>
       </p:sp>
-      <mc:AlternateContent xmlns:mc="http://schemas.openxmlformats.org/markup-compatibility/2006">
-        <mc:Choice xmlns:a14="http://schemas.microsoft.com/office/drawing/2010/main" Requires="a14">
+      <mc:AlternateContent xmlns:mc="http://schemas.openxmlformats.org/markup-compatibility/2006" xmlns:a14="http://schemas.microsoft.com/office/drawing/2010/main">
+        <mc:Choice Requires="a14">
           <p:sp>
             <p:nvSpPr>
               <p:cNvPr id="3" name="Content Placeholder 2">
@@ -5294,7 +5499,7 @@
             </p:txBody>
           </p:sp>
         </mc:Choice>
-        <mc:Fallback>
+        <mc:Fallback xmlns="">
           <p:sp>
             <p:nvSpPr>
               <p:cNvPr id="3" name="Content Placeholder 2">
@@ -5422,8 +5627,8 @@
           </a:p>
         </p:txBody>
       </p:sp>
-      <mc:AlternateContent xmlns:mc="http://schemas.openxmlformats.org/markup-compatibility/2006">
-        <mc:Choice xmlns:a14="http://schemas.microsoft.com/office/drawing/2010/main" Requires="a14">
+      <mc:AlternateContent xmlns:mc="http://schemas.openxmlformats.org/markup-compatibility/2006" xmlns:a14="http://schemas.microsoft.com/office/drawing/2010/main">
+        <mc:Choice Requires="a14">
           <p:sp>
             <p:nvSpPr>
               <p:cNvPr id="3" name="Content Placeholder 2">
@@ -5609,43 +5814,57 @@
                     </m:oMathParaPr>
                     <m:oMath xmlns:m="http://schemas.openxmlformats.org/officeDocument/2006/math">
                       <m:r>
-                        <a:rPr lang="en-PT" sz="2600" i="1"/>
+                        <a:rPr lang="en-PT" sz="2600" i="1">
+                          <a:latin typeface="Cambria Math" panose="02040503050406030204" pitchFamily="18" charset="0"/>
+                        </a:rPr>
                         <m:t>﻿</m:t>
                       </m:r>
                       <m:sSub>
                         <m:sSubPr>
                           <m:ctrlPr>
-                            <a:rPr lang="en-PT" sz="2600" i="1"/>
+                            <a:rPr lang="en-PT" sz="2600" i="1">
+                              <a:latin typeface="Cambria Math" panose="02040503050406030204" pitchFamily="18" charset="0"/>
+                            </a:rPr>
                           </m:ctrlPr>
                         </m:sSubPr>
                         <m:e>
                           <m:r>
-                            <a:rPr lang="en-PT" sz="2600" i="1"/>
+                            <a:rPr lang="en-PT" sz="2600" i="1">
+                              <a:latin typeface="Cambria Math" panose="02040503050406030204" pitchFamily="18" charset="0"/>
+                            </a:rPr>
                             <m:t>𝑈</m:t>
                           </m:r>
                         </m:e>
                         <m:sub>
                           <m:r>
-                            <a:rPr lang="en-PT" sz="2600" i="1"/>
+                            <a:rPr lang="en-PT" sz="2600" i="1">
+                              <a:latin typeface="Cambria Math" panose="02040503050406030204" pitchFamily="18" charset="0"/>
+                            </a:rPr>
                             <m:t>𝐿</m:t>
                           </m:r>
                         </m:sub>
                       </m:sSub>
                       <m:r>
-                        <a:rPr lang="en-PT" sz="2600" i="1"/>
+                        <a:rPr lang="en-PT" sz="2600" i="1">
+                          <a:latin typeface="Cambria Math" panose="02040503050406030204" pitchFamily="18" charset="0"/>
+                        </a:rPr>
                         <m:t>=1−</m:t>
                       </m:r>
                       <m:f>
                         <m:fPr>
                           <m:ctrlPr>
-                            <a:rPr lang="en-PT" sz="2600" i="1"/>
+                            <a:rPr lang="en-PT" sz="2600" i="1">
+                              <a:latin typeface="Cambria Math" panose="02040503050406030204" pitchFamily="18" charset="0"/>
+                            </a:rPr>
                           </m:ctrlPr>
                         </m:fPr>
                         <m:num>
                           <m:sSub>
                             <m:sSubPr>
                               <m:ctrlPr>
-                                <a:rPr lang="en-PT" sz="2600" i="1"/>
+                                <a:rPr lang="en-PT" sz="2600" i="1">
+                                  <a:latin typeface="Cambria Math" panose="02040503050406030204" pitchFamily="18" charset="0"/>
+                                </a:rPr>
                               </m:ctrlPr>
                             </m:sSubPr>
                             <m:e>
@@ -5654,25 +5873,33 @@
                                   <m:begChr m:val="⟨"/>
                                   <m:endChr m:val="⟩"/>
                                   <m:ctrlPr>
-                                    <a:rPr lang="en-PT" sz="2600" i="1"/>
+                                    <a:rPr lang="en-PT" sz="2600" i="1">
+                                      <a:latin typeface="Cambria Math" panose="02040503050406030204" pitchFamily="18" charset="0"/>
+                                    </a:rPr>
                                   </m:ctrlPr>
                                 </m:dPr>
                                 <m:e>
                                   <m:sSup>
                                     <m:sSupPr>
                                       <m:ctrlPr>
-                                        <a:rPr lang="en-PT" sz="2600" i="1"/>
+                                        <a:rPr lang="en-PT" sz="2600" i="1">
+                                          <a:latin typeface="Cambria Math" panose="02040503050406030204" pitchFamily="18" charset="0"/>
+                                        </a:rPr>
                                       </m:ctrlPr>
                                     </m:sSupPr>
                                     <m:e>
                                       <m:r>
-                                        <a:rPr lang="en-PT" sz="2600" i="1"/>
+                                        <a:rPr lang="en-PT" sz="2600" i="1">
+                                          <a:latin typeface="Cambria Math" panose="02040503050406030204" pitchFamily="18" charset="0"/>
+                                        </a:rPr>
                                         <m:t>𝑀</m:t>
                                       </m:r>
                                     </m:e>
                                     <m:sup>
                                       <m:r>
-                                        <a:rPr lang="en-PT" sz="2600" i="1"/>
+                                        <a:rPr lang="en-PT" sz="2600" i="1">
+                                          <a:latin typeface="Cambria Math" panose="02040503050406030204" pitchFamily="18" charset="0"/>
+                                        </a:rPr>
                                         <m:t>4</m:t>
                                       </m:r>
                                     </m:sup>
@@ -5682,7 +5909,9 @@
                             </m:e>
                             <m:sub>
                               <m:r>
-                                <a:rPr lang="en-PT" sz="2600" i="1"/>
+                                <a:rPr lang="en-PT" sz="2600" i="1">
+                                  <a:latin typeface="Cambria Math" panose="02040503050406030204" pitchFamily="18" charset="0"/>
+                                </a:rPr>
                                 <m:t>𝐿</m:t>
                               </m:r>
                             </m:sub>
@@ -5690,13 +5919,17 @@
                         </m:num>
                         <m:den>
                           <m:r>
-                            <a:rPr lang="en-PT" sz="2600" i="1"/>
+                            <a:rPr lang="en-PT" sz="2600" i="1">
+                              <a:latin typeface="Cambria Math" panose="02040503050406030204" pitchFamily="18" charset="0"/>
+                            </a:rPr>
                             <m:t>3</m:t>
                           </m:r>
                           <m:sSubSup>
                             <m:sSubSupPr>
                               <m:ctrlPr>
-                                <a:rPr lang="en-PT" sz="2600" i="1"/>
+                                <a:rPr lang="en-PT" sz="2600" i="1">
+                                  <a:latin typeface="Cambria Math" panose="02040503050406030204" pitchFamily="18" charset="0"/>
+                                </a:rPr>
                               </m:ctrlPr>
                             </m:sSubSupPr>
                             <m:e>
@@ -5705,25 +5938,33 @@
                                   <m:begChr m:val="⟨"/>
                                   <m:endChr m:val="⟩"/>
                                   <m:ctrlPr>
-                                    <a:rPr lang="en-PT" sz="2600" i="1"/>
+                                    <a:rPr lang="en-PT" sz="2600" i="1">
+                                      <a:latin typeface="Cambria Math" panose="02040503050406030204" pitchFamily="18" charset="0"/>
+                                    </a:rPr>
                                   </m:ctrlPr>
                                 </m:dPr>
                                 <m:e>
                                   <m:sSup>
                                     <m:sSupPr>
                                       <m:ctrlPr>
-                                        <a:rPr lang="en-PT" sz="2600" i="1"/>
+                                        <a:rPr lang="en-PT" sz="2600" i="1">
+                                          <a:latin typeface="Cambria Math" panose="02040503050406030204" pitchFamily="18" charset="0"/>
+                                        </a:rPr>
                                       </m:ctrlPr>
                                     </m:sSupPr>
                                     <m:e>
                                       <m:r>
-                                        <a:rPr lang="en-PT" sz="2600" i="1"/>
+                                        <a:rPr lang="en-PT" sz="2600" i="1">
+                                          <a:latin typeface="Cambria Math" panose="02040503050406030204" pitchFamily="18" charset="0"/>
+                                        </a:rPr>
                                         <m:t>𝑀</m:t>
                                       </m:r>
                                     </m:e>
                                     <m:sup>
                                       <m:r>
-                                        <a:rPr lang="en-PT" sz="2600" i="1"/>
+                                        <a:rPr lang="en-PT" sz="2600" i="1">
+                                          <a:latin typeface="Cambria Math" panose="02040503050406030204" pitchFamily="18" charset="0"/>
+                                        </a:rPr>
                                         <m:t>2</m:t>
                                       </m:r>
                                     </m:sup>
@@ -5733,13 +5974,17 @@
                             </m:e>
                             <m:sub>
                               <m:r>
-                                <a:rPr lang="en-PT" sz="2600" i="1"/>
+                                <a:rPr lang="en-PT" sz="2600" i="1">
+                                  <a:latin typeface="Cambria Math" panose="02040503050406030204" pitchFamily="18" charset="0"/>
+                                </a:rPr>
                                 <m:t>𝐿</m:t>
                               </m:r>
                             </m:sub>
                             <m:sup>
                               <m:r>
-                                <a:rPr lang="en-PT" sz="2600" i="1"/>
+                                <a:rPr lang="en-PT" sz="2600" i="1">
+                                  <a:latin typeface="Cambria Math" panose="02040503050406030204" pitchFamily="18" charset="0"/>
+                                </a:rPr>
                                 <m:t>2</m:t>
                               </m:r>
                             </m:sup>
@@ -5763,7 +6008,7 @@
             </p:txBody>
           </p:sp>
         </mc:Choice>
-        <mc:Fallback>
+        <mc:Fallback xmlns="">
           <p:sp>
             <p:nvSpPr>
               <p:cNvPr id="3" name="Content Placeholder 2">
@@ -6330,8 +6575,8 @@
           </a:p>
         </p:txBody>
       </p:sp>
-      <mc:AlternateContent xmlns:mc="http://schemas.openxmlformats.org/markup-compatibility/2006">
-        <mc:Choice xmlns:a14="http://schemas.microsoft.com/office/drawing/2010/main" Requires="a14">
+      <mc:AlternateContent xmlns:mc="http://schemas.openxmlformats.org/markup-compatibility/2006" xmlns:a14="http://schemas.microsoft.com/office/drawing/2010/main">
+        <mc:Choice Requires="a14">
           <p:sp>
             <p:nvSpPr>
               <p:cNvPr id="3" name="Content Placeholder 2">
@@ -6378,11 +6623,15 @@
                     </m:oMathParaPr>
                     <m:oMath xmlns:m="http://schemas.openxmlformats.org/officeDocument/2006/math">
                       <m:r>
-                        <a:rPr lang="en-PT" i="1"/>
+                        <a:rPr lang="en-PT" i="1">
+                          <a:latin typeface="Cambria Math" panose="02040503050406030204" pitchFamily="18" charset="0"/>
+                        </a:rPr>
                         <m:t>ℋ</m:t>
                       </m:r>
                       <m:r>
-                        <a:rPr lang="en-PT" i="1"/>
+                        <a:rPr lang="en-PT" i="1">
+                          <a:latin typeface="Cambria Math" panose="02040503050406030204" pitchFamily="18" charset="0"/>
+                        </a:rPr>
                         <m:t>=</m:t>
                       </m:r>
                       <m:r>
@@ -6396,28 +6645,40 @@
                           <m:chr m:val="∑"/>
                           <m:supHide m:val="on"/>
                           <m:ctrlPr>
-                            <a:rPr lang="en-PT" i="1"/>
+                            <a:rPr lang="en-PT" i="1">
+                              <a:latin typeface="Cambria Math" panose="02040503050406030204" pitchFamily="18" charset="0"/>
+                            </a:rPr>
                           </m:ctrlPr>
                         </m:naryPr>
                         <m:sub>
                           <m:r>
-                            <a:rPr lang="en-PT" i="1"/>
+                            <a:rPr lang="en-PT" i="1">
+                              <a:latin typeface="Cambria Math" panose="02040503050406030204" pitchFamily="18" charset="0"/>
+                            </a:rPr>
                             <m:t>&lt;</m:t>
                           </m:r>
                           <m:r>
-                            <a:rPr lang="en-PT" i="1"/>
+                            <a:rPr lang="en-PT" i="1">
+                              <a:latin typeface="Cambria Math" panose="02040503050406030204" pitchFamily="18" charset="0"/>
+                            </a:rPr>
                             <m:t>𝑖</m:t>
                           </m:r>
                           <m:r>
-                            <a:rPr lang="en-PT" i="1"/>
+                            <a:rPr lang="en-PT" i="1">
+                              <a:latin typeface="Cambria Math" panose="02040503050406030204" pitchFamily="18" charset="0"/>
+                            </a:rPr>
                             <m:t>,</m:t>
                           </m:r>
                           <m:r>
-                            <a:rPr lang="en-PT" i="1"/>
+                            <a:rPr lang="en-PT" i="1">
+                              <a:latin typeface="Cambria Math" panose="02040503050406030204" pitchFamily="18" charset="0"/>
+                            </a:rPr>
                             <m:t>𝑗</m:t>
                           </m:r>
                           <m:r>
-                            <a:rPr lang="en-PT" i="1"/>
+                            <a:rPr lang="en-PT" i="1">
+                              <a:latin typeface="Cambria Math" panose="02040503050406030204" pitchFamily="18" charset="0"/>
+                            </a:rPr>
                             <m:t>&gt;</m:t>
                           </m:r>
                         </m:sub>
@@ -6426,18 +6687,24 @@
                           <m:sSub>
                             <m:sSubPr>
                               <m:ctrlPr>
-                                <a:rPr lang="en-PT" i="1"/>
+                                <a:rPr lang="en-PT" i="1">
+                                  <a:latin typeface="Cambria Math" panose="02040503050406030204" pitchFamily="18" charset="0"/>
+                                </a:rPr>
                               </m:ctrlPr>
                             </m:sSubPr>
                             <m:e>
                               <m:r>
-                                <a:rPr lang="en-PT" i="1"/>
+                                <a:rPr lang="en-PT" i="1">
+                                  <a:latin typeface="Cambria Math" panose="02040503050406030204" pitchFamily="18" charset="0"/>
+                                </a:rPr>
                                 <m:t>𝐽</m:t>
                               </m:r>
                             </m:e>
                             <m:sub>
                               <m:r>
-                                <a:rPr lang="en-PT" i="1"/>
+                                <a:rPr lang="en-PT" i="1">
+                                  <a:latin typeface="Cambria Math" panose="02040503050406030204" pitchFamily="18" charset="0"/>
+                                </a:rPr>
                                 <m:t>𝑖𝑗</m:t>
                               </m:r>
                             </m:sub>
@@ -6445,18 +6712,24 @@
                           <m:sSub>
                             <m:sSubPr>
                               <m:ctrlPr>
-                                <a:rPr lang="en-PT" i="1"/>
+                                <a:rPr lang="en-PT" i="1">
+                                  <a:latin typeface="Cambria Math" panose="02040503050406030204" pitchFamily="18" charset="0"/>
+                                </a:rPr>
                               </m:ctrlPr>
                             </m:sSubPr>
                             <m:e>
                               <m:r>
-                                <a:rPr lang="en-PT" i="1"/>
+                                <a:rPr lang="en-PT" i="1">
+                                  <a:latin typeface="Cambria Math" panose="02040503050406030204" pitchFamily="18" charset="0"/>
+                                </a:rPr>
                                 <m:t>𝑆</m:t>
                               </m:r>
                             </m:e>
                             <m:sub>
                               <m:r>
-                                <a:rPr lang="en-PT" i="1"/>
+                                <a:rPr lang="en-PT" i="1">
+                                  <a:latin typeface="Cambria Math" panose="02040503050406030204" pitchFamily="18" charset="0"/>
+                                </a:rPr>
                                 <m:t>𝑖</m:t>
                               </m:r>
                             </m:sub>
@@ -6464,18 +6737,24 @@
                           <m:sSub>
                             <m:sSubPr>
                               <m:ctrlPr>
-                                <a:rPr lang="en-PT" i="1"/>
+                                <a:rPr lang="en-PT" i="1">
+                                  <a:latin typeface="Cambria Math" panose="02040503050406030204" pitchFamily="18" charset="0"/>
+                                </a:rPr>
                               </m:ctrlPr>
                             </m:sSubPr>
                             <m:e>
                               <m:r>
-                                <a:rPr lang="en-PT" i="1"/>
+                                <a:rPr lang="en-PT" i="1">
+                                  <a:latin typeface="Cambria Math" panose="02040503050406030204" pitchFamily="18" charset="0"/>
+                                </a:rPr>
                                 <m:t>𝑆</m:t>
                               </m:r>
                             </m:e>
                             <m:sub>
                               <m:r>
-                                <a:rPr lang="en-PT" i="1"/>
+                                <a:rPr lang="en-PT" i="1">
+                                  <a:latin typeface="Cambria Math" panose="02040503050406030204" pitchFamily="18" charset="0"/>
+                                </a:rPr>
                                 <m:t>𝑗</m:t>
                               </m:r>
                             </m:sub>
@@ -6489,7 +6768,9 @@
                         <m:t>−</m:t>
                       </m:r>
                       <m:r>
-                        <a:rPr lang="en-PT" i="1"/>
+                        <a:rPr lang="en-PT" i="1">
+                          <a:latin typeface="Cambria Math" panose="02040503050406030204" pitchFamily="18" charset="0"/>
+                        </a:rPr>
                         <m:t>𝐻</m:t>
                       </m:r>
                       <m:nary>
@@ -6497,7 +6778,9 @@
                           <m:chr m:val="∑"/>
                           <m:supHide m:val="on"/>
                           <m:ctrlPr>
-                            <a:rPr lang="en-PT" i="1"/>
+                            <a:rPr lang="en-PT" i="1">
+                              <a:latin typeface="Cambria Math" panose="02040503050406030204" pitchFamily="18" charset="0"/>
+                            </a:rPr>
                           </m:ctrlPr>
                         </m:naryPr>
                         <m:sub>
@@ -6505,7 +6788,9 @@
                             <m:rPr>
                               <m:sty m:val="p"/>
                             </m:rPr>
-                            <a:rPr lang="en-PT"/>
+                            <a:rPr lang="en-PT">
+                              <a:latin typeface="Cambria Math" panose="02040503050406030204" pitchFamily="18" charset="0"/>
+                            </a:rPr>
                             <m:t>i</m:t>
                           </m:r>
                         </m:sub>
@@ -6514,7 +6799,9 @@
                           <m:sSub>
                             <m:sSubPr>
                               <m:ctrlPr>
-                                <a:rPr lang="en-PT" i="1"/>
+                                <a:rPr lang="en-PT" i="1">
+                                  <a:latin typeface="Cambria Math" panose="02040503050406030204" pitchFamily="18" charset="0"/>
+                                </a:rPr>
                               </m:ctrlPr>
                             </m:sSubPr>
                             <m:e>
@@ -6522,7 +6809,9 @@
                                 <m:rPr>
                                   <m:sty m:val="p"/>
                                 </m:rPr>
-                                <a:rPr lang="en-PT"/>
+                                <a:rPr lang="en-PT">
+                                  <a:latin typeface="Cambria Math" panose="02040503050406030204" pitchFamily="18" charset="0"/>
+                                </a:rPr>
                                 <m:t>S</m:t>
                               </m:r>
                             </m:e>
@@ -6531,7 +6820,9 @@
                                 <m:rPr>
                                   <m:sty m:val="p"/>
                                 </m:rPr>
-                                <a:rPr lang="en-PT"/>
+                                <a:rPr lang="en-PT">
+                                  <a:latin typeface="Cambria Math" panose="02040503050406030204" pitchFamily="18" charset="0"/>
+                                </a:rPr>
                                 <m:t>i</m:t>
                               </m:r>
                             </m:sub>
@@ -6703,7 +6994,7 @@
             </p:txBody>
           </p:sp>
         </mc:Choice>
-        <mc:Fallback>
+        <mc:Fallback xmlns="">
           <p:sp>
             <p:nvSpPr>
               <p:cNvPr id="3" name="Content Placeholder 2">
@@ -7559,8 +7850,8 @@
           </a:p>
         </p:txBody>
       </p:sp>
-      <mc:AlternateContent xmlns:mc="http://schemas.openxmlformats.org/markup-compatibility/2006">
-        <mc:Choice xmlns:a14="http://schemas.microsoft.com/office/drawing/2010/main" Requires="a14">
+      <mc:AlternateContent xmlns:mc="http://schemas.openxmlformats.org/markup-compatibility/2006" xmlns:a14="http://schemas.microsoft.com/office/drawing/2010/main">
+        <mc:Choice Requires="a14">
           <p:sp>
             <p:nvSpPr>
               <p:cNvPr id="3" name="Content Placeholder 2">
@@ -7681,11 +7972,15 @@
                     </m:oMathParaPr>
                     <m:oMath xmlns:m="http://schemas.openxmlformats.org/officeDocument/2006/math">
                       <m:r>
-                        <a:rPr lang="pt-PT" i="1"/>
+                        <a:rPr lang="pt-PT" i="1">
+                          <a:latin typeface="Cambria Math" panose="02040503050406030204" pitchFamily="18" charset="0"/>
+                        </a:rPr>
                         <m:t>𝑍</m:t>
                       </m:r>
                       <m:r>
-                        <a:rPr lang="pt-PT" i="1"/>
+                        <a:rPr lang="pt-PT" i="1">
+                          <a:latin typeface="Cambria Math" panose="02040503050406030204" pitchFamily="18" charset="0"/>
+                        </a:rPr>
                         <m:t>=</m:t>
                       </m:r>
                       <m:nary>
@@ -7693,51 +7988,69 @@
                           <m:chr m:val="∑"/>
                           <m:supHide m:val="on"/>
                           <m:ctrlPr>
-                            <a:rPr lang="pt-PT" i="1"/>
+                            <a:rPr lang="pt-PT" i="1">
+                              <a:latin typeface="Cambria Math" panose="02040503050406030204" pitchFamily="18" charset="0"/>
+                            </a:rPr>
                           </m:ctrlPr>
                         </m:naryPr>
                         <m:sub>
                           <m:r>
-                            <a:rPr lang="pt-PT" i="1"/>
+                            <a:rPr lang="pt-PT" i="1">
+                              <a:latin typeface="Cambria Math" panose="02040503050406030204" pitchFamily="18" charset="0"/>
+                            </a:rPr>
                             <m:t>𝑞</m:t>
                           </m:r>
                         </m:sub>
                         <m:sup/>
                         <m:e>
                           <m:r>
-                            <a:rPr lang="pt-PT" i="1"/>
+                            <a:rPr lang="pt-PT" i="1">
+                              <a:latin typeface="Cambria Math" panose="02040503050406030204" pitchFamily="18" charset="0"/>
+                            </a:rPr>
                             <m:t>𝑍</m:t>
                           </m:r>
                           <m:d>
                             <m:dPr>
                               <m:ctrlPr>
-                                <a:rPr lang="pt-PT" i="1"/>
+                                <a:rPr lang="pt-PT" i="1">
+                                  <a:latin typeface="Cambria Math" panose="02040503050406030204" pitchFamily="18" charset="0"/>
+                                </a:rPr>
                               </m:ctrlPr>
                             </m:dPr>
                             <m:e>
                               <m:r>
-                                <a:rPr lang="pt-PT" i="1"/>
+                                <a:rPr lang="pt-PT" i="1">
+                                  <a:latin typeface="Cambria Math" panose="02040503050406030204" pitchFamily="18" charset="0"/>
+                                </a:rPr>
                                 <m:t>𝑇</m:t>
                               </m:r>
                               <m:r>
-                                <a:rPr lang="pt-PT" i="1"/>
+                                <a:rPr lang="pt-PT" i="1">
+                                  <a:latin typeface="Cambria Math" panose="02040503050406030204" pitchFamily="18" charset="0"/>
+                                </a:rPr>
                                 <m:t>,</m:t>
                               </m:r>
                               <m:sSub>
                                 <m:sSubPr>
                                   <m:ctrlPr>
-                                    <a:rPr lang="pt-PT" i="1"/>
+                                    <a:rPr lang="pt-PT" i="1">
+                                      <a:latin typeface="Cambria Math" panose="02040503050406030204" pitchFamily="18" charset="0"/>
+                                    </a:rPr>
                                   </m:ctrlPr>
                                 </m:sSubPr>
                                 <m:e>
                                   <m:r>
-                                    <a:rPr lang="pt-PT" i="1"/>
+                                    <a:rPr lang="pt-PT" i="1">
+                                      <a:latin typeface="Cambria Math" panose="02040503050406030204" pitchFamily="18" charset="0"/>
+                                    </a:rPr>
                                     <m:t>𝑀</m:t>
                                   </m:r>
                                 </m:e>
                                 <m:sub>
                                   <m:r>
-                                    <a:rPr lang="pt-PT" i="1"/>
+                                    <a:rPr lang="pt-PT" i="1">
+                                      <a:latin typeface="Cambria Math" panose="02040503050406030204" pitchFamily="18" charset="0"/>
+                                    </a:rPr>
                                     <m:t>𝑞</m:t>
                                   </m:r>
                                 </m:sub>
@@ -7747,7 +8060,9 @@
                         </m:e>
                       </m:nary>
                       <m:r>
-                        <a:rPr lang="pt-PT" i="1"/>
+                        <a:rPr lang="pt-PT" i="1">
+                          <a:latin typeface="Cambria Math" panose="02040503050406030204" pitchFamily="18" charset="0"/>
+                        </a:rPr>
                         <m:t>=</m:t>
                       </m:r>
                       <m:nary>
@@ -7755,12 +8070,16 @@
                           <m:chr m:val="∑"/>
                           <m:supHide m:val="on"/>
                           <m:ctrlPr>
-                            <a:rPr lang="pt-PT" i="1"/>
+                            <a:rPr lang="pt-PT" i="1">
+                              <a:latin typeface="Cambria Math" panose="02040503050406030204" pitchFamily="18" charset="0"/>
+                            </a:rPr>
                           </m:ctrlPr>
                         </m:naryPr>
                         <m:sub>
                           <m:r>
-                            <a:rPr lang="pt-PT" i="1"/>
+                            <a:rPr lang="pt-PT" i="1">
+                              <a:latin typeface="Cambria Math" panose="02040503050406030204" pitchFamily="18" charset="0"/>
+                            </a:rPr>
                             <m:t>𝑞</m:t>
                           </m:r>
                         </m:sub>
@@ -7771,66 +8090,88 @@
                               <m:chr m:val="∑"/>
                               <m:supHide m:val="on"/>
                               <m:ctrlPr>
-                                <a:rPr lang="pt-PT" i="1"/>
+                                <a:rPr lang="pt-PT" i="1">
+                                  <a:latin typeface="Cambria Math" panose="02040503050406030204" pitchFamily="18" charset="0"/>
+                                </a:rPr>
                               </m:ctrlPr>
                             </m:naryPr>
                             <m:sub>
                               <m:r>
-                                <a:rPr lang="pt-PT" i="1"/>
+                                <a:rPr lang="pt-PT" i="1">
+                                  <a:latin typeface="Cambria Math" panose="02040503050406030204" pitchFamily="18" charset="0"/>
+                                </a:rPr>
                                 <m:t>𝑖</m:t>
                               </m:r>
                             </m:sub>
                             <m:sup/>
                             <m:e>
                               <m:r>
-                                <a:rPr lang="pt-PT" i="1"/>
+                                <a:rPr lang="pt-PT" i="1">
+                                  <a:latin typeface="Cambria Math" panose="02040503050406030204" pitchFamily="18" charset="0"/>
+                                </a:rPr>
                                 <m:t>𝑔</m:t>
                               </m:r>
                               <m:d>
                                 <m:dPr>
                                   <m:ctrlPr>
-                                    <a:rPr lang="pt-PT" i="1"/>
+                                    <a:rPr lang="pt-PT" i="1">
+                                      <a:latin typeface="Cambria Math" panose="02040503050406030204" pitchFamily="18" charset="0"/>
+                                    </a:rPr>
                                   </m:ctrlPr>
                                 </m:dPr>
                                 <m:e>
                                   <m:sSub>
                                     <m:sSubPr>
                                       <m:ctrlPr>
-                                        <a:rPr lang="pt-PT" i="1"/>
+                                        <a:rPr lang="pt-PT" i="1">
+                                          <a:latin typeface="Cambria Math" panose="02040503050406030204" pitchFamily="18" charset="0"/>
+                                        </a:rPr>
                                       </m:ctrlPr>
                                     </m:sSubPr>
                                     <m:e>
                                       <m:r>
-                                        <a:rPr lang="pt-PT" i="1"/>
+                                        <a:rPr lang="pt-PT" i="1">
+                                          <a:latin typeface="Cambria Math" panose="02040503050406030204" pitchFamily="18" charset="0"/>
+                                        </a:rPr>
                                         <m:t>𝐸</m:t>
                                       </m:r>
                                     </m:e>
                                     <m:sub>
                                       <m:r>
-                                        <a:rPr lang="pt-PT" i="1"/>
+                                        <a:rPr lang="pt-PT" i="1">
+                                          <a:latin typeface="Cambria Math" panose="02040503050406030204" pitchFamily="18" charset="0"/>
+                                        </a:rPr>
                                         <m:t>𝑖</m:t>
                                       </m:r>
                                     </m:sub>
                                   </m:sSub>
                                   <m:r>
-                                    <a:rPr lang="pt-PT" i="1"/>
+                                    <a:rPr lang="pt-PT" i="1">
+                                      <a:latin typeface="Cambria Math" panose="02040503050406030204" pitchFamily="18" charset="0"/>
+                                    </a:rPr>
                                     <m:t>,</m:t>
                                   </m:r>
                                   <m:sSub>
                                     <m:sSubPr>
                                       <m:ctrlPr>
-                                        <a:rPr lang="pt-PT" i="1"/>
+                                        <a:rPr lang="pt-PT" i="1">
+                                          <a:latin typeface="Cambria Math" panose="02040503050406030204" pitchFamily="18" charset="0"/>
+                                        </a:rPr>
                                       </m:ctrlPr>
                                     </m:sSubPr>
                                     <m:e>
                                       <m:r>
-                                        <a:rPr lang="pt-PT" i="1"/>
+                                        <a:rPr lang="pt-PT" i="1">
+                                          <a:latin typeface="Cambria Math" panose="02040503050406030204" pitchFamily="18" charset="0"/>
+                                        </a:rPr>
                                         <m:t>𝑀</m:t>
                                       </m:r>
                                     </m:e>
                                     <m:sub>
                                       <m:r>
-                                        <a:rPr lang="pt-PT" i="1"/>
+                                        <a:rPr lang="pt-PT" i="1">
+                                          <a:latin typeface="Cambria Math" panose="02040503050406030204" pitchFamily="18" charset="0"/>
+                                        </a:rPr>
                                         <m:t>𝑞</m:t>
                                       </m:r>
                                     </m:sub>
@@ -7842,7 +8183,9 @@
                           <m:func>
                             <m:funcPr>
                               <m:ctrlPr>
-                                <a:rPr lang="pt-PT" i="1"/>
+                                <a:rPr lang="pt-PT" i="1">
+                                  <a:latin typeface="Cambria Math" panose="02040503050406030204" pitchFamily="18" charset="0"/>
+                                </a:rPr>
                               </m:ctrlPr>
                             </m:funcPr>
                             <m:fName>
@@ -7850,7 +8193,9 @@
                                 <m:rPr>
                                   <m:sty m:val="p"/>
                                 </m:rPr>
-                                <a:rPr lang="pt-PT"/>
+                                <a:rPr lang="pt-PT">
+                                  <a:latin typeface="Cambria Math" panose="02040503050406030204" pitchFamily="18" charset="0"/>
+                                </a:rPr>
                                 <m:t>exp</m:t>
                               </m:r>
                             </m:fName>
@@ -7858,36 +8203,48 @@
                               <m:d>
                                 <m:dPr>
                                   <m:ctrlPr>
-                                    <a:rPr lang="pt-PT" i="1"/>
+                                    <a:rPr lang="pt-PT" i="1">
+                                      <a:latin typeface="Cambria Math" panose="02040503050406030204" pitchFamily="18" charset="0"/>
+                                    </a:rPr>
                                   </m:ctrlPr>
                                 </m:dPr>
                                 <m:e>
                                   <m:r>
-                                    <a:rPr lang="pt-PT" i="1"/>
+                                    <a:rPr lang="pt-PT" i="1">
+                                      <a:latin typeface="Cambria Math" panose="02040503050406030204" pitchFamily="18" charset="0"/>
+                                    </a:rPr>
                                     <m:t>−</m:t>
                                   </m:r>
                                   <m:r>
                                     <m:rPr>
                                       <m:sty m:val="p"/>
                                     </m:rPr>
-                                    <a:rPr lang="pt-PT"/>
+                                    <a:rPr lang="pt-PT">
+                                      <a:latin typeface="Cambria Math" panose="02040503050406030204" pitchFamily="18" charset="0"/>
+                                    </a:rPr>
                                     <m:t>β</m:t>
                                   </m:r>
                                   <m:sSub>
                                     <m:sSubPr>
                                       <m:ctrlPr>
-                                        <a:rPr lang="pt-PT" i="1"/>
+                                        <a:rPr lang="pt-PT" i="1">
+                                          <a:latin typeface="Cambria Math" panose="02040503050406030204" pitchFamily="18" charset="0"/>
+                                        </a:rPr>
                                       </m:ctrlPr>
                                     </m:sSubPr>
                                     <m:e>
                                       <m:r>
-                                        <a:rPr lang="pt-PT" i="1"/>
+                                        <a:rPr lang="pt-PT" i="1">
+                                          <a:latin typeface="Cambria Math" panose="02040503050406030204" pitchFamily="18" charset="0"/>
+                                        </a:rPr>
                                         <m:t>𝐸</m:t>
                                       </m:r>
                                     </m:e>
                                     <m:sub>
                                       <m:r>
-                                        <a:rPr lang="pt-PT" i="1"/>
+                                        <a:rPr lang="pt-PT" i="1">
+                                          <a:latin typeface="Cambria Math" panose="02040503050406030204" pitchFamily="18" charset="0"/>
+                                        </a:rPr>
                                         <m:t>𝑖</m:t>
                                       </m:r>
                                     </m:sub>
@@ -8205,7 +8562,7 @@
             </p:txBody>
           </p:sp>
         </mc:Choice>
-        <mc:Fallback>
+        <mc:Fallback xmlns="">
           <p:sp>
             <p:nvSpPr>
               <p:cNvPr id="3" name="Content Placeholder 2">
@@ -8323,12 +8680,131 @@
             </p:nvSpPr>
             <p:spPr/>
             <p:txBody>
-              <a:bodyPr/>
+              <a:bodyPr>
+                <a:normAutofit lnSpcReduction="10000"/>
+              </a:bodyPr>
               <a:lstStyle/>
               <a:p>
                 <a:pPr marL="0" indent="0" algn="just">
                   <a:buNone/>
                 </a:pPr>
+                <a:r>
+                  <a:rPr lang="pt-PT" dirty="0"/>
+                  <a:t>O invés de gerar configurações com a probabilidade canónica, este método estima a função de partição canónica:</a:t>
+                </a:r>
+              </a:p>
+              <a:p>
+                <a:pPr marL="0" indent="0" algn="just">
+                  <a:buNone/>
+                </a:pPr>
+                <a14:m>
+                  <m:oMathPara xmlns:m="http://schemas.openxmlformats.org/officeDocument/2006/math">
+                    <m:oMathParaPr>
+                      <m:jc m:val="centerGroup"/>
+                    </m:oMathParaPr>
+                    <m:oMath xmlns:m="http://schemas.openxmlformats.org/officeDocument/2006/math">
+                      <m:r>
+                        <a:rPr lang="pt-PT" b="0" i="1" smtClean="0">
+                          <a:latin typeface="Cambria Math" panose="02040503050406030204" pitchFamily="18" charset="0"/>
+                        </a:rPr>
+                        <m:t>𝑍</m:t>
+                      </m:r>
+                      <m:r>
+                        <a:rPr lang="pt-PT" b="0" i="1" smtClean="0">
+                          <a:latin typeface="Cambria Math" panose="02040503050406030204" pitchFamily="18" charset="0"/>
+                        </a:rPr>
+                        <m:t>=</m:t>
+                      </m:r>
+                      <m:nary>
+                        <m:naryPr>
+                          <m:chr m:val="∑"/>
+                          <m:limLoc m:val="subSup"/>
+                          <m:ctrlPr>
+                            <a:rPr lang="pt-PT" b="0" i="1" smtClean="0">
+                              <a:latin typeface="Cambria Math" panose="02040503050406030204" pitchFamily="18" charset="0"/>
+                            </a:rPr>
+                          </m:ctrlPr>
+                        </m:naryPr>
+                        <m:sub>
+                          <m:r>
+                            <m:rPr>
+                              <m:brk m:alnAt="25"/>
+                            </m:rPr>
+                            <a:rPr lang="pt-PT" b="0" i="1" smtClean="0">
+                              <a:latin typeface="Cambria Math" panose="02040503050406030204" pitchFamily="18" charset="0"/>
+                            </a:rPr>
+                            <m:t>𝐸</m:t>
+                          </m:r>
+                        </m:sub>
+                        <m:sup/>
+                        <m:e>
+                          <m:r>
+                            <a:rPr lang="pt-PT" b="0" i="1" smtClean="0">
+                              <a:latin typeface="Cambria Math" panose="02040503050406030204" pitchFamily="18" charset="0"/>
+                            </a:rPr>
+                            <m:t>𝑔</m:t>
+                          </m:r>
+                          <m:d>
+                            <m:dPr>
+                              <m:ctrlPr>
+                                <a:rPr lang="pt-PT" b="0" i="1" smtClean="0">
+                                  <a:latin typeface="Cambria Math" panose="02040503050406030204" pitchFamily="18" charset="0"/>
+                                </a:rPr>
+                              </m:ctrlPr>
+                            </m:dPr>
+                            <m:e>
+                              <m:r>
+                                <a:rPr lang="pt-PT" b="0" i="1" smtClean="0">
+                                  <a:latin typeface="Cambria Math" panose="02040503050406030204" pitchFamily="18" charset="0"/>
+                                </a:rPr>
+                                <m:t>𝐸</m:t>
+                              </m:r>
+                            </m:e>
+                          </m:d>
+                          <m:sSup>
+                            <m:sSupPr>
+                              <m:ctrlPr>
+                                <a:rPr lang="pt-PT" b="0" i="1" smtClean="0">
+                                  <a:latin typeface="Cambria Math" panose="02040503050406030204" pitchFamily="18" charset="0"/>
+                                </a:rPr>
+                              </m:ctrlPr>
+                            </m:sSupPr>
+                            <m:e>
+                              <m:r>
+                                <a:rPr lang="pt-PT" b="0" i="1" smtClean="0">
+                                  <a:latin typeface="Cambria Math" panose="02040503050406030204" pitchFamily="18" charset="0"/>
+                                </a:rPr>
+                                <m:t>𝑒</m:t>
+                              </m:r>
+                            </m:e>
+                            <m:sup>
+                              <m:r>
+                                <a:rPr lang="pt-PT" b="0" i="1" smtClean="0">
+                                  <a:latin typeface="Cambria Math" panose="02040503050406030204" pitchFamily="18" charset="0"/>
+                                </a:rPr>
+                                <m:t>−</m:t>
+                              </m:r>
+                              <m:r>
+                                <a:rPr lang="pt-PT" b="0" i="1" smtClean="0">
+                                  <a:latin typeface="Cambria Math" panose="02040503050406030204" pitchFamily="18" charset="0"/>
+                                  <a:ea typeface="Cambria Math" panose="02040503050406030204" pitchFamily="18" charset="0"/>
+                                </a:rPr>
+                                <m:t>𝛽</m:t>
+                              </m:r>
+                              <m:r>
+                                <a:rPr lang="pt-PT" b="0" i="1" smtClean="0">
+                                  <a:latin typeface="Cambria Math" panose="02040503050406030204" pitchFamily="18" charset="0"/>
+                                  <a:ea typeface="Cambria Math" panose="02040503050406030204" pitchFamily="18" charset="0"/>
+                                </a:rPr>
+                                <m:t>𝐸</m:t>
+                              </m:r>
+                            </m:sup>
+                          </m:sSup>
+                        </m:e>
+                      </m:nary>
+                    </m:oMath>
+                  </m:oMathPara>
+                </a14:m>
                 <a:endParaRPr lang="pt-PT" dirty="0"/>
               </a:p>
               <a:p>
@@ -8463,7 +8939,7 @@
               <a:blipFill>
                 <a:blip r:embed="rId2"/>
                 <a:stretch>
-                  <a:fillRect l="-1206" r="-1086"/>
+                  <a:fillRect l="-1206" t="-19186" r="-1086"/>
                 </a:stretch>
               </a:blipFill>
             </p:spPr>
@@ -8540,8 +9016,8 @@
           </a:p>
         </p:txBody>
       </p:sp>
-      <mc:AlternateContent xmlns:mc="http://schemas.openxmlformats.org/markup-compatibility/2006">
-        <mc:Choice xmlns:a14="http://schemas.microsoft.com/office/drawing/2010/main" Requires="a14">
+      <mc:AlternateContent xmlns:mc="http://schemas.openxmlformats.org/markup-compatibility/2006" xmlns:a14="http://schemas.microsoft.com/office/drawing/2010/main">
+        <mc:Choice Requires="a14">
           <p:sp>
             <p:nvSpPr>
               <p:cNvPr id="3" name="Content Placeholder 2">
@@ -9157,7 +9633,7 @@
             </p:txBody>
           </p:sp>
         </mc:Choice>
-        <mc:Fallback>
+        <mc:Fallback xmlns="">
           <p:sp>
             <p:nvSpPr>
               <p:cNvPr id="3" name="Content Placeholder 2">
